--- a/2021.10.18_Sesion_01_Introducción_2021_2S.pptx
+++ b/2021.10.18_Sesion_01_Introducción_2021_2S.pptx
@@ -349,7 +349,7 @@
             <a:fld id="{B61BEF0D-F0BB-DE4B-95CE-6DB70DBA9567}" type="datetimeFigureOut">
               <a:rPr lang="en-US" dirty="0"/>
               <a:pPr/>
-              <a:t>10/18/2021</a:t>
+              <a:t>10/19/2021</a:t>
             </a:fld>
             <a:endParaRPr lang="en-US" dirty="0"/>
           </a:p>
@@ -684,7 +684,7 @@
             <a:fld id="{B61BEF0D-F0BB-DE4B-95CE-6DB70DBA9567}" type="datetimeFigureOut">
               <a:rPr lang="en-US" dirty="0"/>
               <a:pPr/>
-              <a:t>10/18/2021</a:t>
+              <a:t>10/19/2021</a:t>
             </a:fld>
             <a:endParaRPr lang="en-US" dirty="0"/>
           </a:p>
@@ -1082,7 +1082,7 @@
             <a:fld id="{B61BEF0D-F0BB-DE4B-95CE-6DB70DBA9567}" type="datetimeFigureOut">
               <a:rPr lang="en-US" dirty="0"/>
               <a:pPr/>
-              <a:t>10/18/2021</a:t>
+              <a:t>10/19/2021</a:t>
             </a:fld>
             <a:endParaRPr lang="en-US" dirty="0"/>
           </a:p>
@@ -1414,7 +1414,7 @@
             <a:fld id="{B61BEF0D-F0BB-DE4B-95CE-6DB70DBA9567}" type="datetimeFigureOut">
               <a:rPr lang="en-US" dirty="0"/>
               <a:pPr/>
-              <a:t>10/18/2021</a:t>
+              <a:t>10/19/2021</a:t>
             </a:fld>
             <a:endParaRPr lang="en-US" dirty="0"/>
           </a:p>
@@ -1731,7 +1731,7 @@
             <a:fld id="{B61BEF0D-F0BB-DE4B-95CE-6DB70DBA9567}" type="datetimeFigureOut">
               <a:rPr lang="en-US" dirty="0"/>
               <a:pPr/>
-              <a:t>10/18/2021</a:t>
+              <a:t>10/19/2021</a:t>
             </a:fld>
             <a:endParaRPr lang="en-US" dirty="0"/>
           </a:p>
@@ -2124,7 +2124,7 @@
             <a:fld id="{B61BEF0D-F0BB-DE4B-95CE-6DB70DBA9567}" type="datetimeFigureOut">
               <a:rPr lang="en-US" dirty="0"/>
               <a:pPr/>
-              <a:t>10/18/2021</a:t>
+              <a:t>10/19/2021</a:t>
             </a:fld>
             <a:endParaRPr lang="en-US" dirty="0"/>
           </a:p>
@@ -2378,7 +2378,7 @@
             <a:fld id="{B61BEF0D-F0BB-DE4B-95CE-6DB70DBA9567}" type="datetimeFigureOut">
               <a:rPr lang="en-US" dirty="0"/>
               <a:pPr/>
-              <a:t>10/18/2021</a:t>
+              <a:t>10/19/2021</a:t>
             </a:fld>
             <a:endParaRPr lang="en-US" dirty="0"/>
           </a:p>
@@ -2637,7 +2637,7 @@
             <a:fld id="{B61BEF0D-F0BB-DE4B-95CE-6DB70DBA9567}" type="datetimeFigureOut">
               <a:rPr lang="en-US" dirty="0"/>
               <a:pPr/>
-              <a:t>10/18/2021</a:t>
+              <a:t>10/19/2021</a:t>
             </a:fld>
             <a:endParaRPr lang="en-US" dirty="0"/>
           </a:p>
@@ -2896,7 +2896,7 @@
             <a:fld id="{B61BEF0D-F0BB-DE4B-95CE-6DB70DBA9567}" type="datetimeFigureOut">
               <a:rPr lang="en-US" dirty="0"/>
               <a:pPr/>
-              <a:t>10/18/2021</a:t>
+              <a:t>10/19/2021</a:t>
             </a:fld>
             <a:endParaRPr lang="en-US" dirty="0"/>
           </a:p>
@@ -3222,7 +3222,7 @@
             <a:fld id="{B61BEF0D-F0BB-DE4B-95CE-6DB70DBA9567}" type="datetimeFigureOut">
               <a:rPr lang="en-US" dirty="0"/>
               <a:pPr/>
-              <a:t>10/18/2021</a:t>
+              <a:t>10/19/2021</a:t>
             </a:fld>
             <a:endParaRPr lang="en-US" dirty="0"/>
           </a:p>
@@ -3542,7 +3542,7 @@
             <a:fld id="{B61BEF0D-F0BB-DE4B-95CE-6DB70DBA9567}" type="datetimeFigureOut">
               <a:rPr lang="en-US" dirty="0"/>
               <a:pPr/>
-              <a:t>10/18/2021</a:t>
+              <a:t>10/19/2021</a:t>
             </a:fld>
             <a:endParaRPr lang="en-US" dirty="0"/>
           </a:p>
@@ -3996,7 +3996,7 @@
             <a:fld id="{B61BEF0D-F0BB-DE4B-95CE-6DB70DBA9567}" type="datetimeFigureOut">
               <a:rPr lang="en-US" dirty="0"/>
               <a:pPr/>
-              <a:t>10/18/2021</a:t>
+              <a:t>10/19/2021</a:t>
             </a:fld>
             <a:endParaRPr lang="en-US" dirty="0"/>
           </a:p>
@@ -4198,7 +4198,7 @@
             <a:fld id="{B61BEF0D-F0BB-DE4B-95CE-6DB70DBA9567}" type="datetimeFigureOut">
               <a:rPr lang="en-US" dirty="0"/>
               <a:pPr/>
-              <a:t>10/18/2021</a:t>
+              <a:t>10/19/2021</a:t>
             </a:fld>
             <a:endParaRPr lang="en-US" dirty="0"/>
           </a:p>
@@ -4372,7 +4372,7 @@
             <a:fld id="{B61BEF0D-F0BB-DE4B-95CE-6DB70DBA9567}" type="datetimeFigureOut">
               <a:rPr lang="en-US" dirty="0"/>
               <a:pPr/>
-              <a:t>10/18/2021</a:t>
+              <a:t>10/19/2021</a:t>
             </a:fld>
             <a:endParaRPr lang="en-US" dirty="0"/>
           </a:p>
@@ -4702,7 +4702,7 @@
             <a:fld id="{B61BEF0D-F0BB-DE4B-95CE-6DB70DBA9567}" type="datetimeFigureOut">
               <a:rPr lang="en-US" dirty="0"/>
               <a:pPr/>
-              <a:t>10/18/2021</a:t>
+              <a:t>10/19/2021</a:t>
             </a:fld>
             <a:endParaRPr lang="en-US" dirty="0"/>
           </a:p>
@@ -5044,7 +5044,7 @@
             <a:fld id="{B61BEF0D-F0BB-DE4B-95CE-6DB70DBA9567}" type="datetimeFigureOut">
               <a:rPr lang="en-US" dirty="0"/>
               <a:pPr/>
-              <a:t>10/18/2021</a:t>
+              <a:t>10/19/2021</a:t>
             </a:fld>
             <a:endParaRPr lang="en-US" dirty="0"/>
           </a:p>
@@ -7158,7 +7158,7 @@
             <a:fld id="{B61BEF0D-F0BB-DE4B-95CE-6DB70DBA9567}" type="datetimeFigureOut">
               <a:rPr lang="en-US" dirty="0"/>
               <a:pPr/>
-              <a:t>10/18/2021</a:t>
+              <a:t>10/19/2021</a:t>
             </a:fld>
             <a:endParaRPr lang="en-US" dirty="0"/>
           </a:p>
@@ -10351,7 +10351,7 @@
           <a:p>
             <a:r>
               <a:rPr lang="es-CO" dirty="0"/>
-              <a:t>Examen Final en Línea (20%) Primera semana de Junio</a:t>
+              <a:t>Examen Final en Línea (20%) Primera semana de Febrero</a:t>
             </a:r>
           </a:p>
         </p:txBody>
